--- a/Loops_and_Plots_Presentation/Loops_and_Plots.pptx
+++ b/Loops_and_Plots_Presentation/Loops_and_Plots.pptx
@@ -37,31 +37,31 @@
   <p:notesSz cx="6858000" cy="9144000"/>
   <p:embeddedFontLst>
     <p:embeddedFont>
-      <p:font typeface="Courier Prime Bold" panose="020B0604020202020204" charset="0"/>
+      <p:font typeface="Poppins Bold" panose="020B0604020202020204" charset="0"/>
       <p:regular r:id="rId29"/>
     </p:embeddedFont>
     <p:embeddedFont>
-      <p:font typeface="Poppins Light" panose="020B0604020202020204" charset="0"/>
+      <p:font typeface="Poppins Medium" panose="020B0604020202020204" charset="0"/>
       <p:regular r:id="rId30"/>
     </p:embeddedFont>
     <p:embeddedFont>
-      <p:font typeface="Poppins Bold" panose="020B0604020202020204" charset="0"/>
+      <p:font typeface="Courier Prime Bold" panose="020B0604020202020204" charset="0"/>
       <p:regular r:id="rId31"/>
     </p:embeddedFont>
     <p:embeddedFont>
-      <p:font typeface="Poppins Medium" panose="020B0604020202020204" charset="0"/>
+      <p:font typeface="Calibri" panose="020F0502020204030204" pitchFamily="34" charset="0"/>
       <p:regular r:id="rId32"/>
+      <p:bold r:id="rId33"/>
+      <p:italic r:id="rId34"/>
+      <p:boldItalic r:id="rId35"/>
     </p:embeddedFont>
     <p:embeddedFont>
       <p:font typeface="Courier Prime" panose="020B0604020202020204" charset="0"/>
-      <p:regular r:id="rId33"/>
+      <p:regular r:id="rId36"/>
     </p:embeddedFont>
     <p:embeddedFont>
-      <p:font typeface="Calibri" panose="020F0502020204030204" pitchFamily="34" charset="0"/>
-      <p:regular r:id="rId34"/>
-      <p:bold r:id="rId35"/>
-      <p:italic r:id="rId36"/>
-      <p:boldItalic r:id="rId37"/>
+      <p:font typeface="Poppins Light" panose="020B0604020202020204" charset="0"/>
+      <p:regular r:id="rId37"/>
     </p:embeddedFont>
   </p:embeddedFontLst>
   <p:defaultTextStyle>
@@ -3370,7 +3370,7 @@
         <p:grpSpPr>
           <a:xfrm>
             <a:off x="1398518" y="1599709"/>
-            <a:ext cx="16384254" cy="8194957"/>
+            <a:ext cx="16384254" cy="8472558"/>
             <a:chOff x="0" y="0"/>
             <a:chExt cx="5542328" cy="2772121"/>
           </a:xfrm>
@@ -3463,7 +3463,7 @@
         <p:spPr>
           <a:xfrm>
             <a:off x="1398518" y="1723828"/>
-            <a:ext cx="16384254" cy="8191914"/>
+            <a:ext cx="16384254" cy="8348439"/>
           </a:xfrm>
           <a:prstGeom prst="rect">
             <a:avLst/>
@@ -3481,7 +3481,7 @@
               </a:lnSpc>
             </a:pPr>
             <a:r>
-              <a:rPr lang="en-US" sz="6651">
+              <a:rPr lang="en-US" sz="6651" dirty="0">
                 <a:solidFill>
                   <a:srgbClr val="000000"/>
                 </a:solidFill>
@@ -3497,7 +3497,7 @@
               </a:lnSpc>
             </a:pPr>
             <a:r>
-              <a:rPr lang="en-US" sz="6651">
+              <a:rPr lang="en-US" sz="6651" dirty="0">
                 <a:solidFill>
                   <a:srgbClr val="000000"/>
                 </a:solidFill>
@@ -3513,25 +3513,43 @@
               </a:lnSpc>
             </a:pPr>
             <a:r>
-              <a:rPr lang="en-US" sz="6651">
+              <a:rPr lang="en-US" sz="6651" dirty="0" smtClean="0">
                 <a:solidFill>
                   <a:srgbClr val="7356F7"/>
                 </a:solidFill>
                 <a:latin typeface="Courier Prime"/>
               </a:rPr>
-              <a:t>for </a:t>
-            </a:r>
-            <a:r>
-              <a:rPr lang="en-US" sz="6651">
+              <a:t>for</a:t>
+            </a:r>
+            <a:r>
+              <a:rPr lang="en-US" sz="6651" dirty="0" smtClean="0">
                 <a:solidFill>
                   <a:srgbClr val="000000"/>
                 </a:solidFill>
                 <a:latin typeface="Courier Prime"/>
               </a:rPr>
-              <a:t>(i </a:t>
-            </a:r>
-            <a:r>
-              <a:rPr lang="en-US" sz="6651">
+              <a:t>(</a:t>
+            </a:r>
+            <a:r>
+              <a:rPr lang="en-US" sz="6651" dirty="0" err="1" smtClean="0">
+                <a:solidFill>
+                  <a:srgbClr val="000000"/>
+                </a:solidFill>
+                <a:latin typeface="Courier Prime"/>
+              </a:rPr>
+              <a:t>i</a:t>
+            </a:r>
+            <a:r>
+              <a:rPr lang="en-US" sz="6651" dirty="0" smtClean="0">
+                <a:solidFill>
+                  <a:srgbClr val="000000"/>
+                </a:solidFill>
+                <a:latin typeface="Courier Prime"/>
+              </a:rPr>
+              <a:t> </a:t>
+            </a:r>
+            <a:r>
+              <a:rPr lang="en-US" sz="6651" dirty="0">
                 <a:solidFill>
                   <a:srgbClr val="7356F7"/>
                 </a:solidFill>
@@ -3540,7 +3558,7 @@
               <a:t>in </a:t>
             </a:r>
             <a:r>
-              <a:rPr lang="en-US" sz="6651">
+              <a:rPr lang="en-US" sz="6651" dirty="0">
                 <a:solidFill>
                   <a:srgbClr val="000000"/>
                 </a:solidFill>
@@ -3556,7 +3574,7 @@
               </a:lnSpc>
             </a:pPr>
             <a:r>
-              <a:rPr lang="en-US" sz="6651">
+              <a:rPr lang="en-US" sz="6651" dirty="0">
                 <a:solidFill>
                   <a:srgbClr val="000000"/>
                 </a:solidFill>
@@ -3572,7 +3590,7 @@
               </a:lnSpc>
             </a:pPr>
             <a:r>
-              <a:rPr lang="en-US" sz="6651">
+              <a:rPr lang="en-US" sz="6651" dirty="0">
                 <a:solidFill>
                   <a:srgbClr val="000000"/>
                 </a:solidFill>
@@ -3588,7 +3606,7 @@
               </a:lnSpc>
             </a:pPr>
             <a:r>
-              <a:rPr lang="en-US" sz="6651">
+              <a:rPr lang="en-US" sz="6651" dirty="0">
                 <a:solidFill>
                   <a:srgbClr val="000000"/>
                 </a:solidFill>
@@ -3604,7 +3622,7 @@
               </a:lnSpc>
             </a:pPr>
             <a:r>
-              <a:rPr lang="en-US" sz="6651">
+              <a:rPr lang="en-US" sz="6651" dirty="0">
                 <a:solidFill>
                   <a:srgbClr val="000000"/>
                 </a:solidFill>
@@ -4989,15 +5007,15 @@
         </p:nvSpPr>
         <p:spPr>
           <a:xfrm>
-            <a:off x="14123480" y="4682644"/>
-            <a:ext cx="3408314" cy="2052926"/>
-          </a:xfrm>
-          <a:prstGeom prst="rect">
-            <a:avLst/>
-          </a:prstGeom>
-        </p:spPr>
-        <p:txBody>
-          <a:bodyPr lIns="0" tIns="0" rIns="0" bIns="0" rtlCol="0" anchor="t">
+            <a:off x="13823060" y="4618623"/>
+            <a:ext cx="4007740" cy="2077492"/>
+          </a:xfrm>
+          <a:prstGeom prst="rect">
+            <a:avLst/>
+          </a:prstGeom>
+        </p:spPr>
+        <p:txBody>
+          <a:bodyPr wrap="square" lIns="0" tIns="0" rIns="0" bIns="0" rtlCol="0" anchor="t">
             <a:spAutoFit/>
           </a:bodyPr>
           <a:lstStyle/>
@@ -5008,14 +5026,20 @@
               </a:lnSpc>
             </a:pPr>
             <a:r>
-              <a:rPr lang="en-US" sz="4897" spc="146">
+              <a:rPr lang="en-US" sz="4897" spc="146" dirty="0" smtClean="0">
                 <a:solidFill>
                   <a:srgbClr val="91EEE1"/>
                 </a:solidFill>
                 <a:latin typeface="Courier Prime Bold"/>
               </a:rPr>
-              <a:t>SUBTITLE &amp;</a:t>
-            </a:r>
+              <a:t>SUBTITLE,</a:t>
+            </a:r>
+            <a:endParaRPr lang="en-US" sz="4897" spc="146" dirty="0">
+              <a:solidFill>
+                <a:srgbClr val="91EEE1"/>
+              </a:solidFill>
+              <a:latin typeface="Courier Prime Bold"/>
+            </a:endParaRPr>
           </a:p>
           <a:p>
             <a:pPr algn="ctr">
@@ -5024,14 +5048,29 @@
               </a:lnSpc>
             </a:pPr>
             <a:r>
-              <a:rPr lang="en-US" sz="4897" spc="146">
+              <a:rPr lang="en-US" sz="4897" spc="146" dirty="0">
                 <a:solidFill>
                   <a:srgbClr val="91EEE1"/>
                 </a:solidFill>
                 <a:latin typeface="Courier Prime Bold"/>
               </a:rPr>
-              <a:t>CAPTION</a:t>
-            </a:r>
+              <a:t>CAPTION, </a:t>
+            </a:r>
+            <a:r>
+              <a:rPr lang="en-US" sz="4897" spc="146" dirty="0" smtClean="0">
+                <a:solidFill>
+                  <a:srgbClr val="91EEE1"/>
+                </a:solidFill>
+                <a:latin typeface="Courier Prime Bold"/>
+              </a:rPr>
+              <a:t>&amp; FILENAME</a:t>
+            </a:r>
+            <a:endParaRPr lang="en-US" sz="4897" spc="146" dirty="0">
+              <a:solidFill>
+                <a:srgbClr val="91EEE1"/>
+              </a:solidFill>
+              <a:latin typeface="Courier Prime Bold"/>
+            </a:endParaRPr>
           </a:p>
         </p:txBody>
       </p:sp>
@@ -5501,15 +5540,15 @@
         </p:nvSpPr>
         <p:spPr>
           <a:xfrm>
-            <a:off x="14123480" y="4682644"/>
-            <a:ext cx="3408314" cy="2052926"/>
-          </a:xfrm>
-          <a:prstGeom prst="rect">
-            <a:avLst/>
-          </a:prstGeom>
-        </p:spPr>
-        <p:txBody>
-          <a:bodyPr lIns="0" tIns="0" rIns="0" bIns="0" rtlCol="0" anchor="t">
+            <a:off x="13725865" y="4618623"/>
+            <a:ext cx="4203544" cy="2077492"/>
+          </a:xfrm>
+          <a:prstGeom prst="rect">
+            <a:avLst/>
+          </a:prstGeom>
+        </p:spPr>
+        <p:txBody>
+          <a:bodyPr wrap="square" lIns="0" tIns="0" rIns="0" bIns="0" rtlCol="0" anchor="t">
             <a:spAutoFit/>
           </a:bodyPr>
           <a:lstStyle/>
@@ -5520,13 +5559,22 @@
               </a:lnSpc>
             </a:pPr>
             <a:r>
-              <a:rPr lang="en-US" sz="4897" spc="146">
+              <a:rPr lang="en-US" sz="4897" spc="146" dirty="0" smtClean="0">
                 <a:solidFill>
                   <a:srgbClr val="BF8FED"/>
                 </a:solidFill>
                 <a:latin typeface="Courier Prime Bold"/>
               </a:rPr>
-              <a:t>SUBTITLE &amp;</a:t>
+              <a:t>SUBTITLE</a:t>
+            </a:r>
+            <a:r>
+              <a:rPr lang="en-US" sz="4897" spc="146" dirty="0">
+                <a:solidFill>
+                  <a:srgbClr val="BF8FED"/>
+                </a:solidFill>
+                <a:latin typeface="Courier Prime Bold"/>
+              </a:rPr>
+              <a:t>,</a:t>
             </a:r>
           </a:p>
           <a:p>
@@ -5536,13 +5584,13 @@
               </a:lnSpc>
             </a:pPr>
             <a:r>
-              <a:rPr lang="en-US" sz="4897" spc="146">
+              <a:rPr lang="en-US" sz="4897" spc="146" dirty="0">
                 <a:solidFill>
                   <a:srgbClr val="BF8FED"/>
                 </a:solidFill>
                 <a:latin typeface="Courier Prime Bold"/>
               </a:rPr>
-              <a:t>CAPTION</a:t>
+              <a:t>CAPTION, &amp; FILENAME</a:t>
             </a:r>
           </a:p>
         </p:txBody>
@@ -5650,7 +5698,7 @@
         <p:grpSpPr>
           <a:xfrm>
             <a:off x="1398518" y="3185957"/>
-            <a:ext cx="16384254" cy="6907935"/>
+            <a:ext cx="16384254" cy="5925071"/>
             <a:chOff x="0" y="0"/>
             <a:chExt cx="5542328" cy="2336758"/>
           </a:xfrm>
@@ -5743,7 +5791,7 @@
         <p:spPr>
           <a:xfrm>
             <a:off x="1398518" y="3043082"/>
-            <a:ext cx="16384254" cy="7017914"/>
+            <a:ext cx="16384254" cy="5963171"/>
           </a:xfrm>
           <a:prstGeom prst="rect">
             <a:avLst/>
@@ -5761,22 +5809,42 @@
               </a:lnSpc>
             </a:pPr>
             <a:r>
-              <a:rPr lang="en-US" sz="6651">
+              <a:rPr lang="en-US" sz="6651" dirty="0">
                 <a:solidFill>
                   <a:srgbClr val="000000"/>
                 </a:solidFill>
                 <a:latin typeface="Courier Prime"/>
               </a:rPr>
-              <a:t>cities &lt;- unique(climate_mean$city_name)</a:t>
-            </a:r>
-          </a:p>
-          <a:p>
-            <a:pPr>
-              <a:lnSpc>
-                <a:spcPts val="9312"/>
-              </a:lnSpc>
-            </a:pPr>
-            <a:endParaRPr lang="en-US" sz="6651">
+              <a:t>cities &lt;- </a:t>
+            </a:r>
+            <a:r>
+              <a:rPr lang="en-US" sz="6651" dirty="0" smtClean="0">
+                <a:solidFill>
+                  <a:srgbClr val="000000"/>
+                </a:solidFill>
+                <a:latin typeface="Courier Prime"/>
+              </a:rPr>
+              <a:t>unique(</a:t>
+            </a:r>
+            <a:r>
+              <a:rPr lang="en-US" sz="6651" dirty="0" err="1" smtClean="0">
+                <a:solidFill>
+                  <a:srgbClr val="000000"/>
+                </a:solidFill>
+                <a:latin typeface="Courier Prime"/>
+              </a:rPr>
+              <a:t>data$city</a:t>
+            </a:r>
+            <a:r>
+              <a:rPr lang="en-US" sz="6651" dirty="0" smtClean="0">
+                <a:solidFill>
+                  <a:srgbClr val="000000"/>
+                </a:solidFill>
+                <a:latin typeface="Courier Prime"/>
+              </a:rPr>
+              <a:t>)</a:t>
+            </a:r>
+            <a:endParaRPr lang="en-US" sz="6651" dirty="0">
               <a:solidFill>
                 <a:srgbClr val="000000"/>
               </a:solidFill>
@@ -5789,8 +5857,21 @@
                 <a:spcPts val="9312"/>
               </a:lnSpc>
             </a:pPr>
-            <a:r>
-              <a:rPr lang="en-US" sz="6651">
+            <a:endParaRPr lang="en-US" sz="6651" dirty="0">
+              <a:solidFill>
+                <a:srgbClr val="000000"/>
+              </a:solidFill>
+              <a:latin typeface="Courier Prime"/>
+            </a:endParaRPr>
+          </a:p>
+          <a:p>
+            <a:pPr>
+              <a:lnSpc>
+                <a:spcPts val="9312"/>
+              </a:lnSpc>
+            </a:pPr>
+            <a:r>
+              <a:rPr lang="en-US" sz="6651" dirty="0">
                 <a:solidFill>
                   <a:srgbClr val="000000"/>
                 </a:solidFill>
@@ -5806,7 +5887,7 @@
               </a:lnSpc>
             </a:pPr>
             <a:r>
-              <a:rPr lang="en-US" sz="6651">
+              <a:rPr lang="en-US" sz="6651" dirty="0">
                 <a:solidFill>
                   <a:srgbClr val="000000"/>
                 </a:solidFill>
@@ -8069,16 +8150,7 @@
                 </a:solidFill>
                 <a:latin typeface="Courier Prime"/>
               </a:rPr>
-              <a:t>   </a:t>
-            </a:r>
-            <a:r>
-              <a:rPr lang="en-US" sz="6651" dirty="0">
-                <a:solidFill>
-                  <a:srgbClr val="000000"/>
-                </a:solidFill>
-                <a:latin typeface="Courier Prime"/>
-              </a:rPr>
-              <a:t>height = 7, width = 7)</a:t>
+              <a:t>   height = 7, width = 7)</a:t>
             </a:r>
           </a:p>
         </p:txBody>
@@ -9814,7 +9886,7 @@
         </p:nvGrpSpPr>
         <p:grpSpPr>
           <a:xfrm>
-            <a:off x="1354194" y="2389542"/>
+            <a:off x="1354194" y="2999142"/>
             <a:ext cx="15579612" cy="4530242"/>
             <a:chOff x="0" y="0"/>
             <a:chExt cx="20772817" cy="6040323"/>
@@ -9923,7 +9995,7 @@
         </p:nvSpPr>
         <p:spPr>
           <a:xfrm>
-            <a:off x="1219200" y="7505700"/>
+            <a:off x="1219200" y="8115300"/>
             <a:ext cx="15714606" cy="914400"/>
           </a:xfrm>
           <a:prstGeom prst="rect">
@@ -9969,7 +10041,7 @@
         </p:nvSpPr>
         <p:spPr>
           <a:xfrm>
-            <a:off x="1757582" y="7720877"/>
+            <a:off x="1757582" y="8330477"/>
             <a:ext cx="14772837" cy="627351"/>
           </a:xfrm>
           <a:prstGeom prst="rect">
@@ -11690,7 +11762,7 @@
         <p:spPr>
           <a:xfrm>
             <a:off x="2802157" y="3360771"/>
-            <a:ext cx="12921235" cy="3495917"/>
+            <a:ext cx="12921235" cy="3577903"/>
           </a:xfrm>
           <a:prstGeom prst="rect">
             <a:avLst/>
@@ -11708,16 +11780,16 @@
               </a:lnSpc>
             </a:pPr>
             <a:r>
-              <a:rPr lang="en-US" sz="6651">
+              <a:rPr lang="en-US" sz="6651" dirty="0" smtClean="0">
                 <a:solidFill>
                   <a:srgbClr val="7356F7"/>
                 </a:solidFill>
                 <a:latin typeface="Courier Prime"/>
               </a:rPr>
-              <a:t>for </a:t>
-            </a:r>
-            <a:r>
-              <a:rPr lang="en-US" sz="6651">
+              <a:t>for</a:t>
+            </a:r>
+            <a:r>
+              <a:rPr lang="en-US" sz="6651" dirty="0" smtClean="0">
                 <a:solidFill>
                   <a:srgbClr val="000000"/>
                 </a:solidFill>
@@ -11726,7 +11798,7 @@
               <a:t>(value </a:t>
             </a:r>
             <a:r>
-              <a:rPr lang="en-US" sz="6651">
+              <a:rPr lang="en-US" sz="6651" dirty="0">
                 <a:solidFill>
                   <a:srgbClr val="7356F7"/>
                 </a:solidFill>
@@ -11735,7 +11807,7 @@
               <a:t>in </a:t>
             </a:r>
             <a:r>
-              <a:rPr lang="en-US" sz="6651">
+              <a:rPr lang="en-US" sz="6651" dirty="0">
                 <a:solidFill>
                   <a:srgbClr val="000000"/>
                 </a:solidFill>
@@ -11751,7 +11823,7 @@
               </a:lnSpc>
             </a:pPr>
             <a:r>
-              <a:rPr lang="en-US" sz="6651">
+              <a:rPr lang="en-US" sz="6651" dirty="0">
                 <a:solidFill>
                   <a:srgbClr val="000000"/>
                 </a:solidFill>
@@ -11767,7 +11839,7 @@
               </a:lnSpc>
             </a:pPr>
             <a:r>
-              <a:rPr lang="en-US" sz="6651">
+              <a:rPr lang="en-US" sz="6651" dirty="0">
                 <a:solidFill>
                   <a:srgbClr val="000000"/>
                 </a:solidFill>
@@ -11913,7 +11985,7 @@
         <p:spPr>
           <a:xfrm>
             <a:off x="1398518" y="1723828"/>
-            <a:ext cx="16384254" cy="8191914"/>
+            <a:ext cx="16384254" cy="8348439"/>
           </a:xfrm>
           <a:prstGeom prst="rect">
             <a:avLst/>
@@ -11931,7 +12003,7 @@
               </a:lnSpc>
             </a:pPr>
             <a:r>
-              <a:rPr lang="en-US" sz="6651">
+              <a:rPr lang="en-US" sz="6651" dirty="0">
                 <a:solidFill>
                   <a:srgbClr val="000000"/>
                 </a:solidFill>
@@ -11947,7 +12019,7 @@
               </a:lnSpc>
             </a:pPr>
             <a:r>
-              <a:rPr lang="en-US" sz="6651">
+              <a:rPr lang="en-US" sz="6651" dirty="0">
                 <a:solidFill>
                   <a:srgbClr val="000000"/>
                 </a:solidFill>
@@ -11963,25 +12035,43 @@
               </a:lnSpc>
             </a:pPr>
             <a:r>
-              <a:rPr lang="en-US" sz="6651">
+              <a:rPr lang="en-US" sz="6651" dirty="0" smtClean="0">
                 <a:solidFill>
                   <a:srgbClr val="7356F7"/>
                 </a:solidFill>
                 <a:latin typeface="Courier Prime"/>
               </a:rPr>
-              <a:t>for </a:t>
-            </a:r>
-            <a:r>
-              <a:rPr lang="en-US" sz="6651">
+              <a:t>for</a:t>
+            </a:r>
+            <a:r>
+              <a:rPr lang="en-US" sz="6651" dirty="0" smtClean="0">
                 <a:solidFill>
                   <a:srgbClr val="000000"/>
                 </a:solidFill>
                 <a:latin typeface="Courier Prime"/>
               </a:rPr>
-              <a:t>(i </a:t>
-            </a:r>
-            <a:r>
-              <a:rPr lang="en-US" sz="6651">
+              <a:t>(</a:t>
+            </a:r>
+            <a:r>
+              <a:rPr lang="en-US" sz="6651" dirty="0" err="1" smtClean="0">
+                <a:solidFill>
+                  <a:srgbClr val="000000"/>
+                </a:solidFill>
+                <a:latin typeface="Courier Prime"/>
+              </a:rPr>
+              <a:t>i</a:t>
+            </a:r>
+            <a:r>
+              <a:rPr lang="en-US" sz="6651" dirty="0" smtClean="0">
+                <a:solidFill>
+                  <a:srgbClr val="000000"/>
+                </a:solidFill>
+                <a:latin typeface="Courier Prime"/>
+              </a:rPr>
+              <a:t> </a:t>
+            </a:r>
+            <a:r>
+              <a:rPr lang="en-US" sz="6651" dirty="0">
                 <a:solidFill>
                   <a:srgbClr val="7356F7"/>
                 </a:solidFill>
@@ -11990,7 +12080,7 @@
               <a:t>in </a:t>
             </a:r>
             <a:r>
-              <a:rPr lang="en-US" sz="6651">
+              <a:rPr lang="en-US" sz="6651" dirty="0">
                 <a:solidFill>
                   <a:srgbClr val="000000"/>
                 </a:solidFill>
@@ -12006,7 +12096,7 @@
               </a:lnSpc>
             </a:pPr>
             <a:r>
-              <a:rPr lang="en-US" sz="6651">
+              <a:rPr lang="en-US" sz="6651" dirty="0">
                 <a:solidFill>
                   <a:srgbClr val="000000"/>
                 </a:solidFill>
@@ -12022,7 +12112,7 @@
               </a:lnSpc>
             </a:pPr>
             <a:r>
-              <a:rPr lang="en-US" sz="6651">
+              <a:rPr lang="en-US" sz="6651" dirty="0">
                 <a:solidFill>
                   <a:srgbClr val="000000"/>
                 </a:solidFill>
@@ -12038,7 +12128,7 @@
               </a:lnSpc>
             </a:pPr>
             <a:r>
-              <a:rPr lang="en-US" sz="6651">
+              <a:rPr lang="en-US" sz="6651" dirty="0">
                 <a:solidFill>
                   <a:srgbClr val="000000"/>
                 </a:solidFill>
@@ -12053,7 +12143,7 @@
                 <a:spcPts val="9312"/>
               </a:lnSpc>
             </a:pPr>
-            <a:endParaRPr lang="en-US" sz="6651">
+            <a:endParaRPr lang="en-US" sz="6651" dirty="0">
               <a:solidFill>
                 <a:srgbClr val="000000"/>
               </a:solidFill>
